--- a/docs/report/weeklyReport.pptx
+++ b/docs/report/weeklyReport.pptx
@@ -7,8 +7,10 @@
   <p:sldIdLst>
     <p:sldId id="256" r:id="rId2"/>
     <p:sldId id="257" r:id="rId3"/>
-    <p:sldId id="258" r:id="rId4"/>
-    <p:sldId id="259" r:id="rId5"/>
+    <p:sldId id="261" r:id="rId4"/>
+    <p:sldId id="260" r:id="rId5"/>
+    <p:sldId id="258" r:id="rId6"/>
+    <p:sldId id="259" r:id="rId7"/>
   </p:sldIdLst>
   <p:sldSz cx="12192000" cy="6858000"/>
   <p:notesSz cx="6858000" cy="9144000"/>
@@ -107,6 +109,11 @@
       </a:defRPr>
     </a:lvl9pPr>
   </p:defaultTextStyle>
+  <p:extLst>
+    <p:ext uri="{EFAFB233-063F-42B5-8137-9DF3F51BA10A}">
+      <p15:sldGuideLst xmlns:p15="http://schemas.microsoft.com/office/powerpoint/2012/main"/>
+    </p:ext>
+  </p:extLst>
 </p:presentation>
 </file>
 
@@ -257,7 +264,7 @@
           <a:p>
             <a:fld id="{EF893C16-6BD8-BD4E-8EAC-C4B21067BB56}" type="datetimeFigureOut">
               <a:rPr lang="en-US" smtClean="0"/>
-              <a:t>8/9/19</a:t>
+              <a:t>8/12/19</a:t>
             </a:fld>
             <a:endParaRPr lang="en-US"/>
           </a:p>
@@ -455,7 +462,7 @@
           <a:p>
             <a:fld id="{EF893C16-6BD8-BD4E-8EAC-C4B21067BB56}" type="datetimeFigureOut">
               <a:rPr lang="en-US" smtClean="0"/>
-              <a:t>8/9/19</a:t>
+              <a:t>8/12/19</a:t>
             </a:fld>
             <a:endParaRPr lang="en-US"/>
           </a:p>
@@ -663,7 +670,7 @@
           <a:p>
             <a:fld id="{EF893C16-6BD8-BD4E-8EAC-C4B21067BB56}" type="datetimeFigureOut">
               <a:rPr lang="en-US" smtClean="0"/>
-              <a:t>8/9/19</a:t>
+              <a:t>8/12/19</a:t>
             </a:fld>
             <a:endParaRPr lang="en-US"/>
           </a:p>
@@ -861,7 +868,7 @@
           <a:p>
             <a:fld id="{EF893C16-6BD8-BD4E-8EAC-C4B21067BB56}" type="datetimeFigureOut">
               <a:rPr lang="en-US" smtClean="0"/>
-              <a:t>8/9/19</a:t>
+              <a:t>8/12/19</a:t>
             </a:fld>
             <a:endParaRPr lang="en-US"/>
           </a:p>
@@ -1136,7 +1143,7 @@
           <a:p>
             <a:fld id="{EF893C16-6BD8-BD4E-8EAC-C4B21067BB56}" type="datetimeFigureOut">
               <a:rPr lang="en-US" smtClean="0"/>
-              <a:t>8/9/19</a:t>
+              <a:t>8/12/19</a:t>
             </a:fld>
             <a:endParaRPr lang="en-US"/>
           </a:p>
@@ -1401,7 +1408,7 @@
           <a:p>
             <a:fld id="{EF893C16-6BD8-BD4E-8EAC-C4B21067BB56}" type="datetimeFigureOut">
               <a:rPr lang="en-US" smtClean="0"/>
-              <a:t>8/9/19</a:t>
+              <a:t>8/12/19</a:t>
             </a:fld>
             <a:endParaRPr lang="en-US"/>
           </a:p>
@@ -1813,7 +1820,7 @@
           <a:p>
             <a:fld id="{EF893C16-6BD8-BD4E-8EAC-C4B21067BB56}" type="datetimeFigureOut">
               <a:rPr lang="en-US" smtClean="0"/>
-              <a:t>8/9/19</a:t>
+              <a:t>8/12/19</a:t>
             </a:fld>
             <a:endParaRPr lang="en-US"/>
           </a:p>
@@ -1954,7 +1961,7 @@
           <a:p>
             <a:fld id="{EF893C16-6BD8-BD4E-8EAC-C4B21067BB56}" type="datetimeFigureOut">
               <a:rPr lang="en-US" smtClean="0"/>
-              <a:t>8/9/19</a:t>
+              <a:t>8/12/19</a:t>
             </a:fld>
             <a:endParaRPr lang="en-US"/>
           </a:p>
@@ -2067,7 +2074,7 @@
           <a:p>
             <a:fld id="{EF893C16-6BD8-BD4E-8EAC-C4B21067BB56}" type="datetimeFigureOut">
               <a:rPr lang="en-US" smtClean="0"/>
-              <a:t>8/9/19</a:t>
+              <a:t>8/12/19</a:t>
             </a:fld>
             <a:endParaRPr lang="en-US"/>
           </a:p>
@@ -2378,7 +2385,7 @@
           <a:p>
             <a:fld id="{EF893C16-6BD8-BD4E-8EAC-C4B21067BB56}" type="datetimeFigureOut">
               <a:rPr lang="en-US" smtClean="0"/>
-              <a:t>8/9/19</a:t>
+              <a:t>8/12/19</a:t>
             </a:fld>
             <a:endParaRPr lang="en-US"/>
           </a:p>
@@ -2666,7 +2673,7 @@
           <a:p>
             <a:fld id="{EF893C16-6BD8-BD4E-8EAC-C4B21067BB56}" type="datetimeFigureOut">
               <a:rPr lang="en-US" smtClean="0"/>
-              <a:t>8/9/19</a:t>
+              <a:t>8/12/19</a:t>
             </a:fld>
             <a:endParaRPr lang="en-US"/>
           </a:p>
@@ -2907,7 +2914,7 @@
           <a:p>
             <a:fld id="{EF893C16-6BD8-BD4E-8EAC-C4B21067BB56}" type="datetimeFigureOut">
               <a:rPr lang="en-US" smtClean="0"/>
-              <a:t>8/9/19</a:t>
+              <a:t>8/12/19</a:t>
             </a:fld>
             <a:endParaRPr lang="en-US"/>
           </a:p>
@@ -3461,7 +3468,7 @@
           <a:p>
             <a:r>
               <a:rPr lang="en-US" dirty="0"/>
-              <a:t>Build labeling specifications for text2scene data</a:t>
+              <a:t>Build new labeling specifications for text2scene data</a:t>
             </a:r>
           </a:p>
           <a:p>
@@ -3470,14 +3477,38 @@
               <a:t>Analyses of the current model, in terms of runtime, performance and feature contributions</a:t>
             </a:r>
           </a:p>
-          <a:p>
-            <a:r>
-              <a:rPr lang="en-US" dirty="0"/>
-              <a:t>Preparation for the next version of text2scene, regarding feature engineering and the model design</a:t>
-            </a:r>
-          </a:p>
-        </p:txBody>
-      </p:sp>
+        </p:txBody>
+      </p:sp>
+      <p:pic>
+        <p:nvPicPr>
+          <p:cNvPr id="7" name="Picture 6">
+            <a:extLst>
+              <a:ext uri="{FF2B5EF4-FFF2-40B4-BE49-F238E27FC236}">
+                <a16:creationId xmlns:a16="http://schemas.microsoft.com/office/drawing/2014/main" id="{C12A0B31-D076-EF47-8682-FC221E867D51}"/>
+              </a:ext>
+            </a:extLst>
+          </p:cNvPr>
+          <p:cNvPicPr>
+            <a:picLocks noChangeAspect="1"/>
+          </p:cNvPicPr>
+          <p:nvPr/>
+        </p:nvPicPr>
+        <p:blipFill>
+          <a:blip r:embed="rId2"/>
+          <a:stretch>
+            <a:fillRect/>
+          </a:stretch>
+        </p:blipFill>
+        <p:spPr>
+          <a:xfrm>
+            <a:off x="1595966" y="3308581"/>
+            <a:ext cx="7734300" cy="3003319"/>
+          </a:xfrm>
+          <a:prstGeom prst="rect">
+            <a:avLst/>
+          </a:prstGeom>
+        </p:spPr>
+      </p:pic>
     </p:spTree>
     <p:extLst>
       <p:ext uri="{BB962C8B-B14F-4D97-AF65-F5344CB8AC3E}">
@@ -3531,6 +3562,186 @@
           <a:p>
             <a:r>
               <a:rPr lang="en-US" dirty="0"/>
+              <a:t>Progress</a:t>
+            </a:r>
+          </a:p>
+        </p:txBody>
+      </p:sp>
+      <p:sp>
+        <p:nvSpPr>
+          <p:cNvPr id="3" name="Content Placeholder 2">
+            <a:extLst>
+              <a:ext uri="{FF2B5EF4-FFF2-40B4-BE49-F238E27FC236}">
+                <a16:creationId xmlns:a16="http://schemas.microsoft.com/office/drawing/2014/main" id="{5985F766-8528-1D44-AEDC-E37A59F413E0}"/>
+              </a:ext>
+            </a:extLst>
+          </p:cNvPr>
+          <p:cNvSpPr>
+            <a:spLocks noGrp="1"/>
+          </p:cNvSpPr>
+          <p:nvPr>
+            <p:ph idx="1"/>
+          </p:nvPr>
+        </p:nvSpPr>
+        <p:spPr/>
+        <p:txBody>
+          <a:bodyPr/>
+          <a:lstStyle/>
+          <a:p>
+            <a:r>
+              <a:rPr lang="en-US" dirty="0"/>
+              <a:t>Prepare features for the new dataset</a:t>
+            </a:r>
+          </a:p>
+          <a:p>
+            <a:r>
+              <a:rPr lang="en-US" dirty="0"/>
+              <a:t>Preprocessing and analyses on the sample data</a:t>
+            </a:r>
+          </a:p>
+        </p:txBody>
+      </p:sp>
+      <p:pic>
+        <p:nvPicPr>
+          <p:cNvPr id="5" name="Picture 4">
+            <a:extLst>
+              <a:ext uri="{FF2B5EF4-FFF2-40B4-BE49-F238E27FC236}">
+                <a16:creationId xmlns:a16="http://schemas.microsoft.com/office/drawing/2014/main" id="{AFF34B5F-D664-3941-B02F-FD9E3D236E69}"/>
+              </a:ext>
+            </a:extLst>
+          </p:cNvPr>
+          <p:cNvPicPr>
+            <a:picLocks noChangeAspect="1"/>
+          </p:cNvPicPr>
+          <p:nvPr/>
+        </p:nvPicPr>
+        <p:blipFill>
+          <a:blip r:embed="rId2"/>
+          <a:stretch>
+            <a:fillRect/>
+          </a:stretch>
+        </p:blipFill>
+        <p:spPr>
+          <a:xfrm>
+            <a:off x="3241254" y="2880378"/>
+            <a:ext cx="4260212" cy="3689756"/>
+          </a:xfrm>
+          <a:prstGeom prst="rect">
+            <a:avLst/>
+          </a:prstGeom>
+        </p:spPr>
+      </p:pic>
+    </p:spTree>
+    <p:extLst>
+      <p:ext uri="{BB962C8B-B14F-4D97-AF65-F5344CB8AC3E}">
+        <p14:creationId xmlns:p14="http://schemas.microsoft.com/office/powerpoint/2010/main" val="2413422487"/>
+      </p:ext>
+    </p:extLst>
+  </p:cSld>
+  <p:clrMapOvr>
+    <a:masterClrMapping/>
+  </p:clrMapOvr>
+</p:sld>
+</file>
+
+<file path=ppt/slides/slide4.xml><?xml version="1.0" encoding="utf-8"?>
+<p:sld xmlns:a="http://schemas.openxmlformats.org/drawingml/2006/main" xmlns:r="http://schemas.openxmlformats.org/officeDocument/2006/relationships" xmlns:p="http://schemas.openxmlformats.org/presentationml/2006/main">
+  <p:cSld>
+    <p:spTree>
+      <p:nvGrpSpPr>
+        <p:cNvPr id="1" name=""/>
+        <p:cNvGrpSpPr/>
+        <p:nvPr/>
+      </p:nvGrpSpPr>
+      <p:grpSpPr>
+        <a:xfrm>
+          <a:off x="0" y="0"/>
+          <a:ext cx="0" cy="0"/>
+          <a:chOff x="0" y="0"/>
+          <a:chExt cx="0" cy="0"/>
+        </a:xfrm>
+      </p:grpSpPr>
+      <p:sp>
+        <p:nvSpPr>
+          <p:cNvPr id="2" name="Title 1">
+            <a:extLst>
+              <a:ext uri="{FF2B5EF4-FFF2-40B4-BE49-F238E27FC236}">
+                <a16:creationId xmlns:a16="http://schemas.microsoft.com/office/drawing/2014/main" id="{D5894138-D214-074F-A4BF-D05DC028AAC6}"/>
+              </a:ext>
+            </a:extLst>
+          </p:cNvPr>
+          <p:cNvSpPr>
+            <a:spLocks noGrp="1"/>
+          </p:cNvSpPr>
+          <p:nvPr>
+            <p:ph type="title"/>
+          </p:nvPr>
+        </p:nvSpPr>
+        <p:spPr/>
+        <p:txBody>
+          <a:bodyPr/>
+          <a:lstStyle/>
+          <a:p>
+            <a:r>
+              <a:rPr lang="en-US" dirty="0"/>
+              <a:t>Progress</a:t>
+            </a:r>
+          </a:p>
+        </p:txBody>
+      </p:sp>
+    </p:spTree>
+    <p:extLst>
+      <p:ext uri="{BB962C8B-B14F-4D97-AF65-F5344CB8AC3E}">
+        <p14:creationId xmlns:p14="http://schemas.microsoft.com/office/powerpoint/2010/main" val="2888576379"/>
+      </p:ext>
+    </p:extLst>
+  </p:cSld>
+  <p:clrMapOvr>
+    <a:masterClrMapping/>
+  </p:clrMapOvr>
+</p:sld>
+</file>
+
+<file path=ppt/slides/slide5.xml><?xml version="1.0" encoding="utf-8"?>
+<p:sld xmlns:a="http://schemas.openxmlformats.org/drawingml/2006/main" xmlns:r="http://schemas.openxmlformats.org/officeDocument/2006/relationships" xmlns:p="http://schemas.openxmlformats.org/presentationml/2006/main">
+  <p:cSld>
+    <p:spTree>
+      <p:nvGrpSpPr>
+        <p:cNvPr id="1" name=""/>
+        <p:cNvGrpSpPr/>
+        <p:nvPr/>
+      </p:nvGrpSpPr>
+      <p:grpSpPr>
+        <a:xfrm>
+          <a:off x="0" y="0"/>
+          <a:ext cx="0" cy="0"/>
+          <a:chOff x="0" y="0"/>
+          <a:chExt cx="0" cy="0"/>
+        </a:xfrm>
+      </p:grpSpPr>
+      <p:sp>
+        <p:nvSpPr>
+          <p:cNvPr id="2" name="Title 1">
+            <a:extLst>
+              <a:ext uri="{FF2B5EF4-FFF2-40B4-BE49-F238E27FC236}">
+                <a16:creationId xmlns:a16="http://schemas.microsoft.com/office/drawing/2014/main" id="{D5894138-D214-074F-A4BF-D05DC028AAC6}"/>
+              </a:ext>
+            </a:extLst>
+          </p:cNvPr>
+          <p:cNvSpPr>
+            <a:spLocks noGrp="1"/>
+          </p:cNvSpPr>
+          <p:nvPr>
+            <p:ph type="title"/>
+          </p:nvPr>
+        </p:nvSpPr>
+        <p:spPr/>
+        <p:txBody>
+          <a:bodyPr/>
+          <a:lstStyle/>
+          <a:p>
+            <a:r>
+              <a:rPr lang="en-US" dirty="0"/>
               <a:t>Skills</a:t>
             </a:r>
           </a:p>
@@ -3633,7 +3844,7 @@
 </p:sld>
 </file>
 
-<file path=ppt/slides/slide4.xml><?xml version="1.0" encoding="utf-8"?>
+<file path=ppt/slides/slide6.xml><?xml version="1.0" encoding="utf-8"?>
 <p:sld xmlns:a="http://schemas.openxmlformats.org/drawingml/2006/main" xmlns:r="http://schemas.openxmlformats.org/officeDocument/2006/relationships" xmlns:p="http://schemas.openxmlformats.org/presentationml/2006/main">
   <p:cSld>
     <p:spTree>
